--- a/presentations/output/SoundToAct_Presentation_WithImages.pptx
+++ b/presentations/output/SoundToAct_Presentation_WithImages.pptx
@@ -3183,17 +3183,52 @@
         </p:blipFill>
         <p:spPr>
           <a:xfrm>
-            <a:off x="1371600" y="4572000"/>
-            <a:ext cx="6400800" cy="1600200"/>
+            <a:off x="914400" y="4114800"/>
+            <a:ext cx="3657600" cy="914400"/>
           </a:xfrm>
           <a:prstGeom prst="rect">
             <a:avLst/>
           </a:prstGeom>
         </p:spPr>
       </p:pic>
+      <p:sp>
+        <p:nvSpPr>
+          <p:cNvPr id="5" name="TextBox 4"/>
+          <p:cNvSpPr txBox="1"/>
+          <p:nvPr/>
+        </p:nvSpPr>
+        <p:spPr>
+          <a:xfrm>
+            <a:off x="914400" y="6492240"/>
+            <a:ext cx="3657600" cy="365760"/>
+          </a:xfrm>
+          <a:prstGeom prst="rect">
+            <a:avLst/>
+          </a:prstGeom>
+          <a:noFill/>
+        </p:spPr>
+        <p:txBody>
+          <a:bodyPr wrap="none">
+            <a:spAutoFit/>
+          </a:bodyPr>
+          <a:lstStyle/>
+          <a:p>
+            <a:pPr algn="ctr">
+              <a:defRPr sz="1200">
+                <a:solidFill>
+                  <a:srgbClr val="6B7280"/>
+                </a:solidFill>
+              </a:defRPr>
+            </a:pPr>
+            <a:r>
+              <a:t>음성 웨이브폼 애니메이션</a:t>
+            </a:r>
+          </a:p>
+        </p:txBody>
+      </p:sp>
       <p:pic>
         <p:nvPicPr>
-          <p:cNvPr id="5" name="Picture 4" descr="mic_icon_large.png"/>
+          <p:cNvPr id="6" name="Picture 5" descr="mic_icon_large.png"/>
           <p:cNvPicPr>
             <a:picLocks noChangeAspect="1"/>
           </p:cNvPicPr>
@@ -3207,8 +3242,8 @@
         </p:blipFill>
         <p:spPr>
           <a:xfrm>
-            <a:off x="7315200" y="457200"/>
-            <a:ext cx="1371600" cy="1371600"/>
+            <a:off x="5029200" y="4114800"/>
+            <a:ext cx="3657600" cy="3657600"/>
           </a:xfrm>
           <a:prstGeom prst="rect">
             <a:avLst/>
@@ -3217,7 +3252,42 @@
       </p:pic>
       <p:sp>
         <p:nvSpPr>
-          <p:cNvPr id="6" name="TextBox 5"/>
+          <p:cNvPr id="7" name="TextBox 6"/>
+          <p:cNvSpPr txBox="1"/>
+          <p:nvPr/>
+        </p:nvSpPr>
+        <p:spPr>
+          <a:xfrm>
+            <a:off x="5029200" y="6492240"/>
+            <a:ext cx="3657600" cy="365760"/>
+          </a:xfrm>
+          <a:prstGeom prst="rect">
+            <a:avLst/>
+          </a:prstGeom>
+          <a:noFill/>
+        </p:spPr>
+        <p:txBody>
+          <a:bodyPr wrap="none">
+            <a:spAutoFit/>
+          </a:bodyPr>
+          <a:lstStyle/>
+          <a:p>
+            <a:pPr algn="ctr">
+              <a:defRPr sz="1200">
+                <a:solidFill>
+                  <a:srgbClr val="6B7280"/>
+                </a:solidFill>
+              </a:defRPr>
+            </a:pPr>
+            <a:r>
+              <a:t>마이크 아이콘 (큼직하게)</a:t>
+            </a:r>
+          </a:p>
+        </p:txBody>
+      </p:sp>
+      <p:sp>
+        <p:nvSpPr>
+          <p:cNvPr id="8" name="TextBox 7"/>
           <p:cNvSpPr txBox="1"/>
           <p:nvPr/>
         </p:nvSpPr>
@@ -3352,7 +3422,7 @@
       </p:sp>
       <p:pic>
         <p:nvPicPr>
-          <p:cNvPr id="4" name="Picture 3" descr="wave_animation.png"/>
+          <p:cNvPr id="4" name="Picture 3" descr="qr_code.png"/>
           <p:cNvPicPr>
             <a:picLocks noChangeAspect="1"/>
           </p:cNvPicPr>
@@ -3366,17 +3436,52 @@
         </p:blipFill>
         <p:spPr>
           <a:xfrm>
-            <a:off x="1371600" y="4572000"/>
-            <a:ext cx="6400800" cy="1600200"/>
+            <a:off x="914400" y="4114800"/>
+            <a:ext cx="3657600" cy="3657600"/>
           </a:xfrm>
           <a:prstGeom prst="rect">
             <a:avLst/>
           </a:prstGeom>
         </p:spPr>
       </p:pic>
+      <p:sp>
+        <p:nvSpPr>
+          <p:cNvPr id="5" name="TextBox 4"/>
+          <p:cNvSpPr txBox="1"/>
+          <p:nvPr/>
+        </p:nvSpPr>
+        <p:spPr>
+          <a:xfrm>
+            <a:off x="914400" y="6492240"/>
+            <a:ext cx="3657600" cy="365760"/>
+          </a:xfrm>
+          <a:prstGeom prst="rect">
+            <a:avLst/>
+          </a:prstGeom>
+          <a:noFill/>
+        </p:spPr>
+        <p:txBody>
+          <a:bodyPr wrap="none">
+            <a:spAutoFit/>
+          </a:bodyPr>
+          <a:lstStyle/>
+          <a:p>
+            <a:pPr algn="ctr">
+              <a:defRPr sz="1200">
+                <a:solidFill>
+                  <a:srgbClr val="6B7280"/>
+                </a:solidFill>
+              </a:defRPr>
+            </a:pPr>
+            <a:r>
+              <a:t>QR 코드 (GitHub)</a:t>
+            </a:r>
+          </a:p>
+        </p:txBody>
+      </p:sp>
       <p:pic>
         <p:nvPicPr>
-          <p:cNvPr id="5" name="Picture 4" descr="mic_icon_large.png"/>
+          <p:cNvPr id="6" name="Picture 5" descr="final_logo.png"/>
           <p:cNvPicPr>
             <a:picLocks noChangeAspect="1"/>
           </p:cNvPicPr>
@@ -3390,8 +3495,8 @@
         </p:blipFill>
         <p:spPr>
           <a:xfrm>
-            <a:off x="7315200" y="457200"/>
-            <a:ext cx="1371600" cy="1371600"/>
+            <a:off x="5029200" y="4114800"/>
+            <a:ext cx="3657600" cy="1828800"/>
           </a:xfrm>
           <a:prstGeom prst="rect">
             <a:avLst/>
@@ -3400,7 +3505,42 @@
       </p:pic>
       <p:sp>
         <p:nvSpPr>
-          <p:cNvPr id="6" name="TextBox 5"/>
+          <p:cNvPr id="7" name="TextBox 6"/>
+          <p:cNvSpPr txBox="1"/>
+          <p:nvPr/>
+        </p:nvSpPr>
+        <p:spPr>
+          <a:xfrm>
+            <a:off x="5029200" y="6492240"/>
+            <a:ext cx="3657600" cy="365760"/>
+          </a:xfrm>
+          <a:prstGeom prst="rect">
+            <a:avLst/>
+          </a:prstGeom>
+          <a:noFill/>
+        </p:spPr>
+        <p:txBody>
+          <a:bodyPr wrap="none">
+            <a:spAutoFit/>
+          </a:bodyPr>
+          <a:lstStyle/>
+          <a:p>
+            <a:pPr algn="ctr">
+              <a:defRPr sz="1200">
+                <a:solidFill>
+                  <a:srgbClr val="6B7280"/>
+                </a:solidFill>
+              </a:defRPr>
+            </a:pPr>
+            <a:r>
+              <a:t>SoundToAct 로고</a:t>
+            </a:r>
+          </a:p>
+        </p:txBody>
+      </p:sp>
+      <p:sp>
+        <p:nvSpPr>
+          <p:cNvPr id="8" name="TextBox 7"/>
           <p:cNvSpPr txBox="1"/>
           <p:nvPr/>
         </p:nvSpPr>
@@ -3514,8 +3654,8 @@
         </p:blipFill>
         <p:spPr>
           <a:xfrm>
-            <a:off x="1371600" y="1005840"/>
-            <a:ext cx="6400800" cy="4000500"/>
+            <a:off x="457200" y="1005840"/>
+            <a:ext cx="4114800" cy="1645920"/>
           </a:xfrm>
           <a:prstGeom prst="rect">
             <a:avLst/>
@@ -3525,6 +3665,159 @@
       <p:sp>
         <p:nvSpPr>
           <p:cNvPr id="4" name="TextBox 3"/>
+          <p:cNvSpPr txBox="1"/>
+          <p:nvPr/>
+        </p:nvSpPr>
+        <p:spPr>
+          <a:xfrm>
+            <a:off x="457200" y="2697480"/>
+            <a:ext cx="4114800" cy="548640"/>
+          </a:xfrm>
+          <a:prstGeom prst="rect">
+            <a:avLst/>
+          </a:prstGeom>
+          <a:noFill/>
+        </p:spPr>
+        <p:txBody>
+          <a:bodyPr wrap="square">
+            <a:spAutoFit/>
+          </a:bodyPr>
+          <a:lstStyle/>
+          <a:p>
+            <a:pPr algn="ctr">
+              <a:defRPr sz="1200">
+                <a:solidFill>
+                  <a:srgbClr val="6B7280"/>
+                </a:solidFill>
+              </a:defRPr>
+            </a:pPr>
+            <a:r>
+              <a:t>만화 스타일 일러스트: 침대에서 일어나는 학생</a:t>
+            </a:r>
+          </a:p>
+        </p:txBody>
+      </p:sp>
+      <p:pic>
+        <p:nvPicPr>
+          <p:cNvPr id="5" name="Picture 4" descr="complex_process.png"/>
+          <p:cNvPicPr>
+            <a:picLocks noChangeAspect="1"/>
+          </p:cNvPicPr>
+          <p:nvPr/>
+        </p:nvPicPr>
+        <p:blipFill>
+          <a:blip r:embed="rId3"/>
+          <a:stretch>
+            <a:fillRect/>
+          </a:stretch>
+        </p:blipFill>
+        <p:spPr>
+          <a:xfrm>
+            <a:off x="4800600" y="1005840"/>
+            <a:ext cx="4114800" cy="1645920"/>
+          </a:xfrm>
+          <a:prstGeom prst="rect">
+            <a:avLst/>
+          </a:prstGeom>
+        </p:spPr>
+      </p:pic>
+      <p:sp>
+        <p:nvSpPr>
+          <p:cNvPr id="6" name="TextBox 5"/>
+          <p:cNvSpPr txBox="1"/>
+          <p:nvPr/>
+        </p:nvSpPr>
+        <p:spPr>
+          <a:xfrm>
+            <a:off x="4800600" y="2697480"/>
+            <a:ext cx="4114800" cy="548640"/>
+          </a:xfrm>
+          <a:prstGeom prst="rect">
+            <a:avLst/>
+          </a:prstGeom>
+          <a:noFill/>
+        </p:spPr>
+        <p:txBody>
+          <a:bodyPr wrap="square">
+            <a:spAutoFit/>
+          </a:bodyPr>
+          <a:lstStyle/>
+          <a:p>
+            <a:pPr algn="ctr">
+              <a:defRPr sz="1200">
+                <a:solidFill>
+                  <a:srgbClr val="6B7280"/>
+                </a:solidFill>
+              </a:defRPr>
+            </a:pPr>
+            <a:r>
+              <a:t>복잡한 과정 플로우: 폰 찾기 → 잠금 해제 → 연락처 앱 → 검색 → 터치</a:t>
+            </a:r>
+          </a:p>
+        </p:txBody>
+      </p:sp>
+      <p:pic>
+        <p:nvPicPr>
+          <p:cNvPr id="7" name="Picture 6" descr="complex_process.png"/>
+          <p:cNvPicPr>
+            <a:picLocks noChangeAspect="1"/>
+          </p:cNvPicPr>
+          <p:nvPr/>
+        </p:nvPicPr>
+        <p:blipFill>
+          <a:blip r:embed="rId3"/>
+          <a:stretch>
+            <a:fillRect/>
+          </a:stretch>
+        </p:blipFill>
+        <p:spPr>
+          <a:xfrm>
+            <a:off x="457200" y="3291840"/>
+            <a:ext cx="4114800" cy="1645920"/>
+          </a:xfrm>
+          <a:prstGeom prst="rect">
+            <a:avLst/>
+          </a:prstGeom>
+        </p:spPr>
+      </p:pic>
+      <p:sp>
+        <p:nvSpPr>
+          <p:cNvPr id="8" name="TextBox 7"/>
+          <p:cNvSpPr txBox="1"/>
+          <p:nvPr/>
+        </p:nvSpPr>
+        <p:spPr>
+          <a:xfrm>
+            <a:off x="457200" y="4983480"/>
+            <a:ext cx="4114800" cy="548640"/>
+          </a:xfrm>
+          <a:prstGeom prst="rect">
+            <a:avLst/>
+          </a:prstGeom>
+          <a:noFill/>
+        </p:spPr>
+        <p:txBody>
+          <a:bodyPr wrap="square">
+            <a:spAutoFit/>
+          </a:bodyPr>
+          <a:lstStyle/>
+          <a:p>
+            <a:pPr algn="ctr">
+              <a:defRPr sz="1200">
+                <a:solidFill>
+                  <a:srgbClr val="6B7280"/>
+                </a:solidFill>
+              </a:defRPr>
+            </a:pPr>
+            <a:r>
+              <a:t>시계 아이콘: '2분 소요'</a:t>
+            </a:r>
+          </a:p>
+        </p:txBody>
+      </p:sp>
+      <p:sp>
+        <p:nvSpPr>
+          <p:cNvPr id="9" name="TextBox 8"/>
           <p:cNvSpPr txBox="1"/>
           <p:nvPr/>
         </p:nvSpPr>
@@ -3659,7 +3952,7 @@
       </p:sp>
       <p:pic>
         <p:nvPicPr>
-          <p:cNvPr id="4" name="Picture 3" descr="wave_animation.png"/>
+          <p:cNvPr id="4" name="Picture 3" descr="question_mark.png"/>
           <p:cNvPicPr>
             <a:picLocks noChangeAspect="1"/>
           </p:cNvPicPr>
@@ -3673,17 +3966,52 @@
         </p:blipFill>
         <p:spPr>
           <a:xfrm>
-            <a:off x="1371600" y="4572000"/>
-            <a:ext cx="6400800" cy="1600200"/>
+            <a:off x="685800" y="4114800"/>
+            <a:ext cx="2743200" cy="2743200"/>
           </a:xfrm>
           <a:prstGeom prst="rect">
             <a:avLst/>
           </a:prstGeom>
         </p:spPr>
       </p:pic>
+      <p:sp>
+        <p:nvSpPr>
+          <p:cNvPr id="5" name="TextBox 4"/>
+          <p:cNvSpPr txBox="1"/>
+          <p:nvPr/>
+        </p:nvSpPr>
+        <p:spPr>
+          <a:xfrm>
+            <a:off x="685800" y="5989320"/>
+            <a:ext cx="2743200" cy="365760"/>
+          </a:xfrm>
+          <a:prstGeom prst="rect">
+            <a:avLst/>
+          </a:prstGeom>
+          <a:noFill/>
+        </p:spPr>
+        <p:txBody>
+          <a:bodyPr wrap="square">
+            <a:spAutoFit/>
+          </a:bodyPr>
+          <a:lstStyle/>
+          <a:p>
+            <a:pPr algn="ctr">
+              <a:defRPr sz="1100">
+                <a:solidFill>
+                  <a:srgbClr val="6B7280"/>
+                </a:solidFill>
+              </a:defRPr>
+            </a:pPr>
+            <a:r>
+              <a:t>큰 물음표 아이콘</a:t>
+            </a:r>
+          </a:p>
+        </p:txBody>
+      </p:sp>
       <p:pic>
         <p:nvPicPr>
-          <p:cNvPr id="5" name="Picture 4" descr="mic_icon_large.png"/>
+          <p:cNvPr id="6" name="Picture 5" descr="speech_bubble_mom.png"/>
           <p:cNvPicPr>
             <a:picLocks noChangeAspect="1"/>
           </p:cNvPicPr>
@@ -3697,8 +4025,8 @@
         </p:blipFill>
         <p:spPr>
           <a:xfrm>
-            <a:off x="7315200" y="457200"/>
-            <a:ext cx="1371600" cy="1371600"/>
+            <a:off x="3657600" y="4114800"/>
+            <a:ext cx="2743200" cy="1828800"/>
           </a:xfrm>
           <a:prstGeom prst="rect">
             <a:avLst/>
@@ -3707,7 +4035,101 @@
       </p:pic>
       <p:sp>
         <p:nvSpPr>
-          <p:cNvPr id="6" name="TextBox 5"/>
+          <p:cNvPr id="7" name="TextBox 6"/>
+          <p:cNvSpPr txBox="1"/>
+          <p:nvPr/>
+        </p:nvSpPr>
+        <p:spPr>
+          <a:xfrm>
+            <a:off x="3657600" y="5989320"/>
+            <a:ext cx="2743200" cy="365760"/>
+          </a:xfrm>
+          <a:prstGeom prst="rect">
+            <a:avLst/>
+          </a:prstGeom>
+          <a:noFill/>
+        </p:spPr>
+        <p:txBody>
+          <a:bodyPr wrap="square">
+            <a:spAutoFit/>
+          </a:bodyPr>
+          <a:lstStyle/>
+          <a:p>
+            <a:pPr algn="ctr">
+              <a:defRPr sz="1100">
+                <a:solidFill>
+                  <a:srgbClr val="6B7280"/>
+                </a:solidFill>
+              </a:defRPr>
+            </a:pPr>
+            <a:r>
+              <a:t>말풍선 안에 '엄마'</a:t>
+            </a:r>
+          </a:p>
+        </p:txBody>
+      </p:sp>
+      <p:pic>
+        <p:nvPicPr>
+          <p:cNvPr id="8" name="Picture 7" descr="light_bulb.png"/>
+          <p:cNvPicPr>
+            <a:picLocks noChangeAspect="1"/>
+          </p:cNvPicPr>
+          <p:nvPr/>
+        </p:nvPicPr>
+        <p:blipFill>
+          <a:blip r:embed="rId4"/>
+          <a:stretch>
+            <a:fillRect/>
+          </a:stretch>
+        </p:blipFill>
+        <p:spPr>
+          <a:xfrm>
+            <a:off x="6629400" y="4114800"/>
+            <a:ext cx="2743200" cy="2743200"/>
+          </a:xfrm>
+          <a:prstGeom prst="rect">
+            <a:avLst/>
+          </a:prstGeom>
+        </p:spPr>
+      </p:pic>
+      <p:sp>
+        <p:nvSpPr>
+          <p:cNvPr id="9" name="TextBox 8"/>
+          <p:cNvSpPr txBox="1"/>
+          <p:nvPr/>
+        </p:nvSpPr>
+        <p:spPr>
+          <a:xfrm>
+            <a:off x="6629400" y="5989320"/>
+            <a:ext cx="2743200" cy="365760"/>
+          </a:xfrm>
+          <a:prstGeom prst="rect">
+            <a:avLst/>
+          </a:prstGeom>
+          <a:noFill/>
+        </p:spPr>
+        <p:txBody>
+          <a:bodyPr wrap="square">
+            <a:spAutoFit/>
+          </a:bodyPr>
+          <a:lstStyle/>
+          <a:p>
+            <a:pPr algn="ctr">
+              <a:defRPr sz="1100">
+                <a:solidFill>
+                  <a:srgbClr val="6B7280"/>
+                </a:solidFill>
+              </a:defRPr>
+            </a:pPr>
+            <a:r>
+              <a:t>빛나는 효과 (반짝이는 전구)</a:t>
+            </a:r>
+          </a:p>
+        </p:txBody>
+      </p:sp>
+      <p:sp>
+        <p:nvSpPr>
+          <p:cNvPr id="10" name="TextBox 9"/>
           <p:cNvSpPr txBox="1"/>
           <p:nvPr/>
         </p:nvSpPr>
@@ -3856,8 +4278,8 @@
         </p:blipFill>
         <p:spPr>
           <a:xfrm>
-            <a:off x="1371600" y="1554480"/>
-            <a:ext cx="6400800" cy="2400300"/>
+            <a:off x="457200" y="1554480"/>
+            <a:ext cx="4114800" cy="1645920"/>
           </a:xfrm>
           <a:prstGeom prst="rect">
             <a:avLst/>
@@ -3867,6 +4289,159 @@
       <p:sp>
         <p:nvSpPr>
           <p:cNvPr id="5" name="TextBox 4"/>
+          <p:cNvSpPr txBox="1"/>
+          <p:nvPr/>
+        </p:nvSpPr>
+        <p:spPr>
+          <a:xfrm>
+            <a:off x="457200" y="3246120"/>
+            <a:ext cx="4114800" cy="548640"/>
+          </a:xfrm>
+          <a:prstGeom prst="rect">
+            <a:avLst/>
+          </a:prstGeom>
+          <a:noFill/>
+        </p:spPr>
+        <p:txBody>
+          <a:bodyPr wrap="square">
+            <a:spAutoFit/>
+          </a:bodyPr>
+          <a:lstStyle/>
+          <a:p>
+            <a:pPr algn="ctr">
+              <a:defRPr sz="1200">
+                <a:solidFill>
+                  <a:srgbClr val="6B7280"/>
+                </a:solidFill>
+              </a:defRPr>
+            </a:pPr>
+            <a:r>
+              <a:t>프로젝트 로고 (크게)</a:t>
+            </a:r>
+          </a:p>
+        </p:txBody>
+      </p:sp>
+      <p:pic>
+        <p:nvPicPr>
+          <p:cNvPr id="6" name="Picture 5" descr="demo_placeholder.png"/>
+          <p:cNvPicPr>
+            <a:picLocks noChangeAspect="1"/>
+          </p:cNvPicPr>
+          <p:nvPr/>
+        </p:nvPicPr>
+        <p:blipFill>
+          <a:blip r:embed="rId3"/>
+          <a:stretch>
+            <a:fillRect/>
+          </a:stretch>
+        </p:blipFill>
+        <p:spPr>
+          <a:xfrm>
+            <a:off x="4800600" y="1554480"/>
+            <a:ext cx="4114800" cy="1645920"/>
+          </a:xfrm>
+          <a:prstGeom prst="rect">
+            <a:avLst/>
+          </a:prstGeom>
+        </p:spPr>
+      </p:pic>
+      <p:sp>
+        <p:nvSpPr>
+          <p:cNvPr id="7" name="TextBox 6"/>
+          <p:cNvSpPr txBox="1"/>
+          <p:nvPr/>
+        </p:nvSpPr>
+        <p:spPr>
+          <a:xfrm>
+            <a:off x="4800600" y="3246120"/>
+            <a:ext cx="4114800" cy="548640"/>
+          </a:xfrm>
+          <a:prstGeom prst="rect">
+            <a:avLst/>
+          </a:prstGeom>
+          <a:noFill/>
+        </p:spPr>
+        <p:txBody>
+          <a:bodyPr wrap="square">
+            <a:spAutoFit/>
+          </a:bodyPr>
+          <a:lstStyle/>
+          <a:p>
+            <a:pPr algn="ctr">
+              <a:defRPr sz="1200">
+                <a:solidFill>
+                  <a:srgbClr val="6B7280"/>
+                </a:solidFill>
+              </a:defRPr>
+            </a:pPr>
+            <a:r>
+              <a:t>10초 데모 영상: '엄마' → 전화 걸림</a:t>
+            </a:r>
+          </a:p>
+        </p:txBody>
+      </p:sp>
+      <p:pic>
+        <p:nvPicPr>
+          <p:cNvPr id="8" name="Picture 7" descr="before_after.png"/>
+          <p:cNvPicPr>
+            <a:picLocks noChangeAspect="1"/>
+          </p:cNvPicPr>
+          <p:nvPr/>
+        </p:nvPicPr>
+        <p:blipFill>
+          <a:blip r:embed="rId4"/>
+          <a:stretch>
+            <a:fillRect/>
+          </a:stretch>
+        </p:blipFill>
+        <p:spPr>
+          <a:xfrm>
+            <a:off x="457200" y="3840480"/>
+            <a:ext cx="4114800" cy="1645920"/>
+          </a:xfrm>
+          <a:prstGeom prst="rect">
+            <a:avLst/>
+          </a:prstGeom>
+        </p:spPr>
+      </p:pic>
+      <p:sp>
+        <p:nvSpPr>
+          <p:cNvPr id="9" name="TextBox 8"/>
+          <p:cNvSpPr txBox="1"/>
+          <p:nvPr/>
+        </p:nvSpPr>
+        <p:spPr>
+          <a:xfrm>
+            <a:off x="457200" y="5532120"/>
+            <a:ext cx="4114800" cy="548640"/>
+          </a:xfrm>
+          <a:prstGeom prst="rect">
+            <a:avLst/>
+          </a:prstGeom>
+          <a:noFill/>
+        </p:spPr>
+        <p:txBody>
+          <a:bodyPr wrap="square">
+            <a:spAutoFit/>
+          </a:bodyPr>
+          <a:lstStyle/>
+          <a:p>
+            <a:pPr algn="ctr">
+              <a:defRPr sz="1200">
+                <a:solidFill>
+                  <a:srgbClr val="6B7280"/>
+                </a:solidFill>
+              </a:defRPr>
+            </a:pPr>
+            <a:r>
+              <a:t>Before/After 비교 이미지</a:t>
+            </a:r>
+          </a:p>
+        </p:txBody>
+      </p:sp>
+      <p:sp>
+        <p:nvSpPr>
+          <p:cNvPr id="10" name="TextBox 9"/>
           <p:cNvSpPr txBox="1"/>
           <p:nvPr/>
         </p:nvSpPr>
@@ -3968,14 +4543,226 @@
         </p:blipFill>
         <p:spPr>
           <a:xfrm>
-            <a:off x="1371600" y="1005840"/>
-            <a:ext cx="6400800" cy="2667000"/>
+            <a:off x="457200" y="1005840"/>
+            <a:ext cx="4114800" cy="1645920"/>
           </a:xfrm>
           <a:prstGeom prst="rect">
             <a:avLst/>
           </a:prstGeom>
         </p:spPr>
       </p:pic>
+      <p:sp>
+        <p:nvSpPr>
+          <p:cNvPr id="4" name="TextBox 3"/>
+          <p:cNvSpPr txBox="1"/>
+          <p:nvPr/>
+        </p:nvSpPr>
+        <p:spPr>
+          <a:xfrm>
+            <a:off x="457200" y="2697480"/>
+            <a:ext cx="4114800" cy="548640"/>
+          </a:xfrm>
+          <a:prstGeom prst="rect">
+            <a:avLst/>
+          </a:prstGeom>
+          <a:noFill/>
+        </p:spPr>
+        <p:txBody>
+          <a:bodyPr wrap="square">
+            <a:spAutoFit/>
+          </a:bodyPr>
+          <a:lstStyle/>
+          <a:p>
+            <a:pPr algn="ctr">
+              <a:defRPr sz="1200">
+                <a:solidFill>
+                  <a:srgbClr val="6B7280"/>
+                </a:solidFill>
+              </a:defRPr>
+            </a:pPr>
+            <a:r>
+              <a:t>1단계: 듣기 - 마이크 아이콘 + 음성 웨이브</a:t>
+            </a:r>
+          </a:p>
+        </p:txBody>
+      </p:sp>
+      <p:pic>
+        <p:nvPicPr>
+          <p:cNvPr id="5" name="Picture 4" descr="three_steps.png"/>
+          <p:cNvPicPr>
+            <a:picLocks noChangeAspect="1"/>
+          </p:cNvPicPr>
+          <p:nvPr/>
+        </p:nvPicPr>
+        <p:blipFill>
+          <a:blip r:embed="rId2"/>
+          <a:stretch>
+            <a:fillRect/>
+          </a:stretch>
+        </p:blipFill>
+        <p:spPr>
+          <a:xfrm>
+            <a:off x="4800600" y="1005840"/>
+            <a:ext cx="4114800" cy="1645920"/>
+          </a:xfrm>
+          <a:prstGeom prst="rect">
+            <a:avLst/>
+          </a:prstGeom>
+        </p:spPr>
+      </p:pic>
+      <p:sp>
+        <p:nvSpPr>
+          <p:cNvPr id="6" name="TextBox 5"/>
+          <p:cNvSpPr txBox="1"/>
+          <p:nvPr/>
+        </p:nvSpPr>
+        <p:spPr>
+          <a:xfrm>
+            <a:off x="4800600" y="2697480"/>
+            <a:ext cx="4114800" cy="548640"/>
+          </a:xfrm>
+          <a:prstGeom prst="rect">
+            <a:avLst/>
+          </a:prstGeom>
+          <a:noFill/>
+        </p:spPr>
+        <p:txBody>
+          <a:bodyPr wrap="square">
+            <a:spAutoFit/>
+          </a:bodyPr>
+          <a:lstStyle/>
+          <a:p>
+            <a:pPr algn="ctr">
+              <a:defRPr sz="1200">
+                <a:solidFill>
+                  <a:srgbClr val="6B7280"/>
+                </a:solidFill>
+              </a:defRPr>
+            </a:pPr>
+            <a:r>
+              <a:t>2단계: 이해하기 - AI 뇌 + 키워드 매칭</a:t>
+            </a:r>
+          </a:p>
+        </p:txBody>
+      </p:sp>
+      <p:pic>
+        <p:nvPicPr>
+          <p:cNvPr id="7" name="Picture 6" descr="three_steps.png"/>
+          <p:cNvPicPr>
+            <a:picLocks noChangeAspect="1"/>
+          </p:cNvPicPr>
+          <p:nvPr/>
+        </p:nvPicPr>
+        <p:blipFill>
+          <a:blip r:embed="rId2"/>
+          <a:stretch>
+            <a:fillRect/>
+          </a:stretch>
+        </p:blipFill>
+        <p:spPr>
+          <a:xfrm>
+            <a:off x="457200" y="3291840"/>
+            <a:ext cx="4114800" cy="1645920"/>
+          </a:xfrm>
+          <a:prstGeom prst="rect">
+            <a:avLst/>
+          </a:prstGeom>
+        </p:spPr>
+      </p:pic>
+      <p:sp>
+        <p:nvSpPr>
+          <p:cNvPr id="8" name="TextBox 7"/>
+          <p:cNvSpPr txBox="1"/>
+          <p:nvPr/>
+        </p:nvSpPr>
+        <p:spPr>
+          <a:xfrm>
+            <a:off x="457200" y="4983480"/>
+            <a:ext cx="4114800" cy="548640"/>
+          </a:xfrm>
+          <a:prstGeom prst="rect">
+            <a:avLst/>
+          </a:prstGeom>
+          <a:noFill/>
+        </p:spPr>
+        <p:txBody>
+          <a:bodyPr wrap="square">
+            <a:spAutoFit/>
+          </a:bodyPr>
+          <a:lstStyle/>
+          <a:p>
+            <a:pPr algn="ctr">
+              <a:defRPr sz="1200">
+                <a:solidFill>
+                  <a:srgbClr val="6B7280"/>
+                </a:solidFill>
+              </a:defRPr>
+            </a:pPr>
+            <a:r>
+              <a:t>3단계: 실행하기 - 액션 아이콘 (전화, 음악, 조명)</a:t>
+            </a:r>
+          </a:p>
+        </p:txBody>
+      </p:sp>
+      <p:pic>
+        <p:nvPicPr>
+          <p:cNvPr id="9" name="Picture 8" descr="three_steps.png"/>
+          <p:cNvPicPr>
+            <a:picLocks noChangeAspect="1"/>
+          </p:cNvPicPr>
+          <p:nvPr/>
+        </p:nvPicPr>
+        <p:blipFill>
+          <a:blip r:embed="rId2"/>
+          <a:stretch>
+            <a:fillRect/>
+          </a:stretch>
+        </p:blipFill>
+        <p:spPr>
+          <a:xfrm>
+            <a:off x="4800600" y="3291840"/>
+            <a:ext cx="4114800" cy="1645920"/>
+          </a:xfrm>
+          <a:prstGeom prst="rect">
+            <a:avLst/>
+          </a:prstGeom>
+        </p:spPr>
+      </p:pic>
+      <p:sp>
+        <p:nvSpPr>
+          <p:cNvPr id="10" name="TextBox 9"/>
+          <p:cNvSpPr txBox="1"/>
+          <p:nvPr/>
+        </p:nvSpPr>
+        <p:spPr>
+          <a:xfrm>
+            <a:off x="4800600" y="4983480"/>
+            <a:ext cx="4114800" cy="548640"/>
+          </a:xfrm>
+          <a:prstGeom prst="rect">
+            <a:avLst/>
+          </a:prstGeom>
+          <a:noFill/>
+        </p:spPr>
+        <p:txBody>
+          <a:bodyPr wrap="square">
+            <a:spAutoFit/>
+          </a:bodyPr>
+          <a:lstStyle/>
+          <a:p>
+            <a:pPr algn="ctr">
+              <a:defRPr sz="1200">
+                <a:solidFill>
+                  <a:srgbClr val="6B7280"/>
+                </a:solidFill>
+              </a:defRPr>
+            </a:pPr>
+            <a:r>
+              <a:t>화살표로 연결된 3단계 플로우</a:t>
+            </a:r>
+          </a:p>
+        </p:txBody>
+      </p:sp>
     </p:spTree>
   </p:cSld>
   <p:clrMapOvr>
@@ -4045,8 +4832,8 @@
         </p:blipFill>
         <p:spPr>
           <a:xfrm>
-            <a:off x="1371600" y="1005840"/>
-            <a:ext cx="6400800" cy="3733800"/>
+            <a:off x="457200" y="1005840"/>
+            <a:ext cx="4114800" cy="2400300"/>
           </a:xfrm>
           <a:prstGeom prst="rect">
             <a:avLst/>
@@ -4056,6 +4843,100 @@
       <p:sp>
         <p:nvSpPr>
           <p:cNvPr id="4" name="TextBox 3"/>
+          <p:cNvSpPr txBox="1"/>
+          <p:nvPr/>
+        </p:nvSpPr>
+        <p:spPr>
+          <a:xfrm>
+            <a:off x="457200" y="3840480"/>
+            <a:ext cx="4114800" cy="457200"/>
+          </a:xfrm>
+          <a:prstGeom prst="rect">
+            <a:avLst/>
+          </a:prstGeom>
+          <a:noFill/>
+        </p:spPr>
+        <p:txBody>
+          <a:bodyPr wrap="square">
+            <a:spAutoFit/>
+          </a:bodyPr>
+          <a:lstStyle/>
+          <a:p>
+            <a:pPr algn="ctr">
+              <a:defRPr sz="1400">
+                <a:solidFill>
+                  <a:srgbClr val="6B7280"/>
+                </a:solidFill>
+              </a:defRPr>
+            </a:pPr>
+            <a:r>
+              <a:t>실제 사용 데모 영상 (30초)</a:t>
+            </a:r>
+          </a:p>
+        </p:txBody>
+      </p:sp>
+      <p:pic>
+        <p:nvPicPr>
+          <p:cNvPr id="5" name="Picture 4" descr="demo_placeholder.png"/>
+          <p:cNvPicPr>
+            <a:picLocks noChangeAspect="1"/>
+          </p:cNvPicPr>
+          <p:nvPr/>
+        </p:nvPicPr>
+        <p:blipFill>
+          <a:blip r:embed="rId3"/>
+          <a:stretch>
+            <a:fillRect/>
+          </a:stretch>
+        </p:blipFill>
+        <p:spPr>
+          <a:xfrm>
+            <a:off x="5029200" y="1005840"/>
+            <a:ext cx="4114800" cy="2468880"/>
+          </a:xfrm>
+          <a:prstGeom prst="rect">
+            <a:avLst/>
+          </a:prstGeom>
+        </p:spPr>
+      </p:pic>
+      <p:sp>
+        <p:nvSpPr>
+          <p:cNvPr id="6" name="TextBox 5"/>
+          <p:cNvSpPr txBox="1"/>
+          <p:nvPr/>
+        </p:nvSpPr>
+        <p:spPr>
+          <a:xfrm>
+            <a:off x="5029200" y="3840480"/>
+            <a:ext cx="4114800" cy="457200"/>
+          </a:xfrm>
+          <a:prstGeom prst="rect">
+            <a:avLst/>
+          </a:prstGeom>
+          <a:noFill/>
+        </p:spPr>
+        <p:txBody>
+          <a:bodyPr wrap="square">
+            <a:spAutoFit/>
+          </a:bodyPr>
+          <a:lstStyle/>
+          <a:p>
+            <a:pPr algn="ctr">
+              <a:defRPr sz="1400">
+                <a:solidFill>
+                  <a:srgbClr val="6B7280"/>
+                </a:solidFill>
+              </a:defRPr>
+            </a:pPr>
+            <a:r>
+              <a:t>데모 스크린샷 (백업)</a:t>
+            </a:r>
+          </a:p>
+        </p:txBody>
+      </p:sp>
+      <p:sp>
+        <p:nvSpPr>
+          <p:cNvPr id="7" name="TextBox 6"/>
           <p:cNvSpPr txBox="1"/>
           <p:nvPr/>
         </p:nvSpPr>
@@ -4157,14 +5038,226 @@
         </p:blipFill>
         <p:spPr>
           <a:xfrm>
-            <a:off x="1371600" y="1005840"/>
-            <a:ext cx="6400800" cy="3200400"/>
+            <a:off x="457200" y="1005840"/>
+            <a:ext cx="4114800" cy="1645920"/>
           </a:xfrm>
           <a:prstGeom prst="rect">
             <a:avLst/>
           </a:prstGeom>
         </p:spPr>
       </p:pic>
+      <p:sp>
+        <p:nvSpPr>
+          <p:cNvPr id="4" name="TextBox 3"/>
+          <p:cNvSpPr txBox="1"/>
+          <p:nvPr/>
+        </p:nvSpPr>
+        <p:spPr>
+          <a:xfrm>
+            <a:off x="457200" y="2697480"/>
+            <a:ext cx="4114800" cy="548640"/>
+          </a:xfrm>
+          <a:prstGeom prst="rect">
+            <a:avLst/>
+          </a:prstGeom>
+          <a:noFill/>
+        </p:spPr>
+        <p:txBody>
+          <a:bodyPr wrap="square">
+            <a:spAutoFit/>
+          </a:bodyPr>
+          <a:lstStyle/>
+          <a:p>
+            <a:pPr algn="ctr">
+              <a:defRPr sz="1200">
+                <a:solidFill>
+                  <a:srgbClr val="6B7280"/>
+                </a:solidFill>
+              </a:defRPr>
+            </a:pPr>
+            <a:r>
+              <a:t>Before: 복잡한 과정 (2분)</a:t>
+            </a:r>
+          </a:p>
+        </p:txBody>
+      </p:sp>
+      <p:pic>
+        <p:nvPicPr>
+          <p:cNvPr id="5" name="Picture 4" descr="before_after.png"/>
+          <p:cNvPicPr>
+            <a:picLocks noChangeAspect="1"/>
+          </p:cNvPicPr>
+          <p:nvPr/>
+        </p:nvPicPr>
+        <p:blipFill>
+          <a:blip r:embed="rId2"/>
+          <a:stretch>
+            <a:fillRect/>
+          </a:stretch>
+        </p:blipFill>
+        <p:spPr>
+          <a:xfrm>
+            <a:off x="4800600" y="1005840"/>
+            <a:ext cx="4114800" cy="1645920"/>
+          </a:xfrm>
+          <a:prstGeom prst="rect">
+            <a:avLst/>
+          </a:prstGeom>
+        </p:spPr>
+      </p:pic>
+      <p:sp>
+        <p:nvSpPr>
+          <p:cNvPr id="6" name="TextBox 5"/>
+          <p:cNvSpPr txBox="1"/>
+          <p:nvPr/>
+        </p:nvSpPr>
+        <p:spPr>
+          <a:xfrm>
+            <a:off x="4800600" y="2697480"/>
+            <a:ext cx="4114800" cy="548640"/>
+          </a:xfrm>
+          <a:prstGeom prst="rect">
+            <a:avLst/>
+          </a:prstGeom>
+          <a:noFill/>
+        </p:spPr>
+        <p:txBody>
+          <a:bodyPr wrap="square">
+            <a:spAutoFit/>
+          </a:bodyPr>
+          <a:lstStyle/>
+          <a:p>
+            <a:pPr algn="ctr">
+              <a:defRPr sz="1200">
+                <a:solidFill>
+                  <a:srgbClr val="6B7280"/>
+                </a:solidFill>
+              </a:defRPr>
+            </a:pPr>
+            <a:r>
+              <a:t>After: 말 한마디 (2초)</a:t>
+            </a:r>
+          </a:p>
+        </p:txBody>
+      </p:sp>
+      <p:pic>
+        <p:nvPicPr>
+          <p:cNvPr id="7" name="Picture 6" descr="before_after.png"/>
+          <p:cNvPicPr>
+            <a:picLocks noChangeAspect="1"/>
+          </p:cNvPicPr>
+          <p:nvPr/>
+        </p:nvPicPr>
+        <p:blipFill>
+          <a:blip r:embed="rId2"/>
+          <a:stretch>
+            <a:fillRect/>
+          </a:stretch>
+        </p:blipFill>
+        <p:spPr>
+          <a:xfrm>
+            <a:off x="457200" y="3291840"/>
+            <a:ext cx="4114800" cy="1645920"/>
+          </a:xfrm>
+          <a:prstGeom prst="rect">
+            <a:avLst/>
+          </a:prstGeom>
+        </p:spPr>
+      </p:pic>
+      <p:sp>
+        <p:nvSpPr>
+          <p:cNvPr id="8" name="TextBox 7"/>
+          <p:cNvSpPr txBox="1"/>
+          <p:nvPr/>
+        </p:nvSpPr>
+        <p:spPr>
+          <a:xfrm>
+            <a:off x="457200" y="4983480"/>
+            <a:ext cx="4114800" cy="548640"/>
+          </a:xfrm>
+          <a:prstGeom prst="rect">
+            <a:avLst/>
+          </a:prstGeom>
+          <a:noFill/>
+        </p:spPr>
+        <p:txBody>
+          <a:bodyPr wrap="square">
+            <a:spAutoFit/>
+          </a:bodyPr>
+          <a:lstStyle/>
+          <a:p>
+            <a:pPr algn="ctr">
+              <a:defRPr sz="1200">
+                <a:solidFill>
+                  <a:srgbClr val="6B7280"/>
+                </a:solidFill>
+              </a:defRPr>
+            </a:pPr>
+            <a:r>
+              <a:t>숫자 강조: 60배 빨라짐</a:t>
+            </a:r>
+          </a:p>
+        </p:txBody>
+      </p:sp>
+      <p:pic>
+        <p:nvPicPr>
+          <p:cNvPr id="9" name="Picture 8" descr="before_after.png"/>
+          <p:cNvPicPr>
+            <a:picLocks noChangeAspect="1"/>
+          </p:cNvPicPr>
+          <p:nvPr/>
+        </p:nvPicPr>
+        <p:blipFill>
+          <a:blip r:embed="rId2"/>
+          <a:stretch>
+            <a:fillRect/>
+          </a:stretch>
+        </p:blipFill>
+        <p:spPr>
+          <a:xfrm>
+            <a:off x="4800600" y="3291840"/>
+            <a:ext cx="4114800" cy="1645920"/>
+          </a:xfrm>
+          <a:prstGeom prst="rect">
+            <a:avLst/>
+          </a:prstGeom>
+        </p:spPr>
+      </p:pic>
+      <p:sp>
+        <p:nvSpPr>
+          <p:cNvPr id="10" name="TextBox 9"/>
+          <p:cNvSpPr txBox="1"/>
+          <p:nvPr/>
+        </p:nvSpPr>
+        <p:spPr>
+          <a:xfrm>
+            <a:off x="4800600" y="4983480"/>
+            <a:ext cx="4114800" cy="548640"/>
+          </a:xfrm>
+          <a:prstGeom prst="rect">
+            <a:avLst/>
+          </a:prstGeom>
+          <a:noFill/>
+        </p:spPr>
+        <p:txBody>
+          <a:bodyPr wrap="square">
+            <a:spAutoFit/>
+          </a:bodyPr>
+          <a:lstStyle/>
+          <a:p>
+            <a:pPr algn="ctr">
+              <a:defRPr sz="1200">
+                <a:solidFill>
+                  <a:srgbClr val="6B7280"/>
+                </a:solidFill>
+              </a:defRPr>
+            </a:pPr>
+            <a:r>
+              <a:t>하루 30분 절약</a:t>
+            </a:r>
+          </a:p>
+        </p:txBody>
+      </p:sp>
     </p:spTree>
   </p:cSld>
   <p:clrMapOvr>
@@ -4234,14 +5327,226 @@
         </p:blipFill>
         <p:spPr>
           <a:xfrm>
-            <a:off x="1371600" y="1005840"/>
-            <a:ext cx="6400800" cy="2667000"/>
+            <a:off x="457200" y="1005840"/>
+            <a:ext cx="4114800" cy="1645920"/>
           </a:xfrm>
           <a:prstGeom prst="rect">
             <a:avLst/>
           </a:prstGeom>
         </p:spPr>
       </p:pic>
+      <p:sp>
+        <p:nvSpPr>
+          <p:cNvPr id="4" name="TextBox 3"/>
+          <p:cNvSpPr txBox="1"/>
+          <p:nvPr/>
+        </p:nvSpPr>
+        <p:spPr>
+          <a:xfrm>
+            <a:off x="457200" y="2697480"/>
+            <a:ext cx="4114800" cy="548640"/>
+          </a:xfrm>
+          <a:prstGeom prst="rect">
+            <a:avLst/>
+          </a:prstGeom>
+          <a:noFill/>
+        </p:spPr>
+        <p:txBody>
+          <a:bodyPr wrap="square">
+            <a:spAutoFit/>
+          </a:bodyPr>
+          <a:lstStyle/>
+          <a:p>
+            <a:pPr algn="ctr">
+              <a:defRPr sz="1200">
+                <a:solidFill>
+                  <a:srgbClr val="6B7280"/>
+                </a:solidFill>
+              </a:defRPr>
+            </a:pPr>
+            <a:r>
+              <a:t>시나리오 1: 어르신 - 큰 글씨 필요없이</a:t>
+            </a:r>
+          </a:p>
+        </p:txBody>
+      </p:sp>
+      <p:pic>
+        <p:nvPicPr>
+          <p:cNvPr id="5" name="Picture 4" descr="inclusive_tech.png"/>
+          <p:cNvPicPr>
+            <a:picLocks noChangeAspect="1"/>
+          </p:cNvPicPr>
+          <p:nvPr/>
+        </p:nvPicPr>
+        <p:blipFill>
+          <a:blip r:embed="rId2"/>
+          <a:stretch>
+            <a:fillRect/>
+          </a:stretch>
+        </p:blipFill>
+        <p:spPr>
+          <a:xfrm>
+            <a:off x="4800600" y="1005840"/>
+            <a:ext cx="4114800" cy="1645920"/>
+          </a:xfrm>
+          <a:prstGeom prst="rect">
+            <a:avLst/>
+          </a:prstGeom>
+        </p:spPr>
+      </p:pic>
+      <p:sp>
+        <p:nvSpPr>
+          <p:cNvPr id="6" name="TextBox 5"/>
+          <p:cNvSpPr txBox="1"/>
+          <p:nvPr/>
+        </p:nvSpPr>
+        <p:spPr>
+          <a:xfrm>
+            <a:off x="4800600" y="2697480"/>
+            <a:ext cx="4114800" cy="548640"/>
+          </a:xfrm>
+          <a:prstGeom prst="rect">
+            <a:avLst/>
+          </a:prstGeom>
+          <a:noFill/>
+        </p:spPr>
+        <p:txBody>
+          <a:bodyPr wrap="square">
+            <a:spAutoFit/>
+          </a:bodyPr>
+          <a:lstStyle/>
+          <a:p>
+            <a:pPr algn="ctr">
+              <a:defRPr sz="1200">
+                <a:solidFill>
+                  <a:srgbClr val="6B7280"/>
+                </a:solidFill>
+              </a:defRPr>
+            </a:pPr>
+            <a:r>
+              <a:t>시나리오 2: 바쁜 직장인 - 운전 중에도</a:t>
+            </a:r>
+          </a:p>
+        </p:txBody>
+      </p:sp>
+      <p:pic>
+        <p:nvPicPr>
+          <p:cNvPr id="7" name="Picture 6" descr="inclusive_tech.png"/>
+          <p:cNvPicPr>
+            <a:picLocks noChangeAspect="1"/>
+          </p:cNvPicPr>
+          <p:nvPr/>
+        </p:nvPicPr>
+        <p:blipFill>
+          <a:blip r:embed="rId2"/>
+          <a:stretch>
+            <a:fillRect/>
+          </a:stretch>
+        </p:blipFill>
+        <p:spPr>
+          <a:xfrm>
+            <a:off x="457200" y="3291840"/>
+            <a:ext cx="4114800" cy="1645920"/>
+          </a:xfrm>
+          <a:prstGeom prst="rect">
+            <a:avLst/>
+          </a:prstGeom>
+        </p:spPr>
+      </p:pic>
+      <p:sp>
+        <p:nvSpPr>
+          <p:cNvPr id="8" name="TextBox 7"/>
+          <p:cNvSpPr txBox="1"/>
+          <p:nvPr/>
+        </p:nvSpPr>
+        <p:spPr>
+          <a:xfrm>
+            <a:off x="457200" y="4983480"/>
+            <a:ext cx="4114800" cy="548640"/>
+          </a:xfrm>
+          <a:prstGeom prst="rect">
+            <a:avLst/>
+          </a:prstGeom>
+          <a:noFill/>
+        </p:spPr>
+        <p:txBody>
+          <a:bodyPr wrap="square">
+            <a:spAutoFit/>
+          </a:bodyPr>
+          <a:lstStyle/>
+          <a:p>
+            <a:pPr algn="ctr">
+              <a:defRPr sz="1200">
+                <a:solidFill>
+                  <a:srgbClr val="6B7280"/>
+                </a:solidFill>
+              </a:defRPr>
+            </a:pPr>
+            <a:r>
+              <a:t>시나리오 3: 장애인 - 손 사용 불편해도</a:t>
+            </a:r>
+          </a:p>
+        </p:txBody>
+      </p:sp>
+      <p:pic>
+        <p:nvPicPr>
+          <p:cNvPr id="9" name="Picture 8" descr="inclusive_tech.png"/>
+          <p:cNvPicPr>
+            <a:picLocks noChangeAspect="1"/>
+          </p:cNvPicPr>
+          <p:nvPr/>
+        </p:nvPicPr>
+        <p:blipFill>
+          <a:blip r:embed="rId2"/>
+          <a:stretch>
+            <a:fillRect/>
+          </a:stretch>
+        </p:blipFill>
+        <p:spPr>
+          <a:xfrm>
+            <a:off x="4800600" y="3291840"/>
+            <a:ext cx="4114800" cy="1645920"/>
+          </a:xfrm>
+          <a:prstGeom prst="rect">
+            <a:avLst/>
+          </a:prstGeom>
+        </p:spPr>
+      </p:pic>
+      <p:sp>
+        <p:nvSpPr>
+          <p:cNvPr id="10" name="TextBox 9"/>
+          <p:cNvSpPr txBox="1"/>
+          <p:nvPr/>
+        </p:nvSpPr>
+        <p:spPr>
+          <a:xfrm>
+            <a:off x="4800600" y="4983480"/>
+            <a:ext cx="4114800" cy="548640"/>
+          </a:xfrm>
+          <a:prstGeom prst="rect">
+            <a:avLst/>
+          </a:prstGeom>
+          <a:noFill/>
+        </p:spPr>
+        <p:txBody>
+          <a:bodyPr wrap="square">
+            <a:spAutoFit/>
+          </a:bodyPr>
+          <a:lstStyle/>
+          <a:p>
+            <a:pPr algn="ctr">
+              <a:defRPr sz="1200">
+                <a:solidFill>
+                  <a:srgbClr val="6B7280"/>
+                </a:solidFill>
+              </a:defRPr>
+            </a:pPr>
+            <a:r>
+              <a:t>모두를 위한 기술</a:t>
+            </a:r>
+          </a:p>
+        </p:txBody>
+      </p:sp>
     </p:spTree>
   </p:cSld>
   <p:clrMapOvr>
@@ -4346,8 +5651,8 @@
         </p:blipFill>
         <p:spPr>
           <a:xfrm>
-            <a:off x="1371600" y="1554480"/>
-            <a:ext cx="6400800" cy="4800600"/>
+            <a:off x="457200" y="1554480"/>
+            <a:ext cx="4114800" cy="1645920"/>
           </a:xfrm>
           <a:prstGeom prst="rect">
             <a:avLst/>
@@ -4357,6 +5662,159 @@
       <p:sp>
         <p:nvSpPr>
           <p:cNvPr id="5" name="TextBox 4"/>
+          <p:cNvSpPr txBox="1"/>
+          <p:nvPr/>
+        </p:nvSpPr>
+        <p:spPr>
+          <a:xfrm>
+            <a:off x="457200" y="3246120"/>
+            <a:ext cx="4114800" cy="548640"/>
+          </a:xfrm>
+          <a:prstGeom prst="rect">
+            <a:avLst/>
+          </a:prstGeom>
+          <a:noFill/>
+        </p:spPr>
+        <p:txBody>
+          <a:bodyPr wrap="square">
+            <a:spAutoFit/>
+          </a:bodyPr>
+          <a:lstStyle/>
+          <a:p>
+            <a:pPr algn="ctr">
+              <a:defRPr sz="1200">
+                <a:solidFill>
+                  <a:srgbClr val="6B7280"/>
+                </a:solidFill>
+              </a:defRPr>
+            </a:pPr>
+            <a:r>
+              <a:t>지구 아이콘 + 연결된 사람들</a:t>
+            </a:r>
+          </a:p>
+        </p:txBody>
+      </p:sp>
+      <p:pic>
+        <p:nvPicPr>
+          <p:cNvPr id="6" name="Picture 5" descr="bright_future.png"/>
+          <p:cNvPicPr>
+            <a:picLocks noChangeAspect="1"/>
+          </p:cNvPicPr>
+          <p:nvPr/>
+        </p:nvPicPr>
+        <p:blipFill>
+          <a:blip r:embed="rId3"/>
+          <a:stretch>
+            <a:fillRect/>
+          </a:stretch>
+        </p:blipFill>
+        <p:spPr>
+          <a:xfrm>
+            <a:off x="4800600" y="1554480"/>
+            <a:ext cx="4114800" cy="1645920"/>
+          </a:xfrm>
+          <a:prstGeom prst="rect">
+            <a:avLst/>
+          </a:prstGeom>
+        </p:spPr>
+      </p:pic>
+      <p:sp>
+        <p:nvSpPr>
+          <p:cNvPr id="7" name="TextBox 6"/>
+          <p:cNvSpPr txBox="1"/>
+          <p:nvPr/>
+        </p:nvSpPr>
+        <p:spPr>
+          <a:xfrm>
+            <a:off x="4800600" y="3246120"/>
+            <a:ext cx="4114800" cy="548640"/>
+          </a:xfrm>
+          <a:prstGeom prst="rect">
+            <a:avLst/>
+          </a:prstGeom>
+          <a:noFill/>
+        </p:spPr>
+        <p:txBody>
+          <a:bodyPr wrap="square">
+            <a:spAutoFit/>
+          </a:bodyPr>
+          <a:lstStyle/>
+          <a:p>
+            <a:pPr algn="ctr">
+              <a:defRPr sz="1200">
+                <a:solidFill>
+                  <a:srgbClr val="6B7280"/>
+                </a:solidFill>
+              </a:defRPr>
+            </a:pPr>
+            <a:r>
+              <a:t>밝은 미래 이미지</a:t>
+            </a:r>
+          </a:p>
+        </p:txBody>
+      </p:sp>
+      <p:pic>
+        <p:nvPicPr>
+          <p:cNvPr id="8" name="Picture 7" descr="world_connections.png"/>
+          <p:cNvPicPr>
+            <a:picLocks noChangeAspect="1"/>
+          </p:cNvPicPr>
+          <p:nvPr/>
+        </p:nvPicPr>
+        <p:blipFill>
+          <a:blip r:embed="rId2"/>
+          <a:stretch>
+            <a:fillRect/>
+          </a:stretch>
+        </p:blipFill>
+        <p:spPr>
+          <a:xfrm>
+            <a:off x="457200" y="3840480"/>
+            <a:ext cx="4114800" cy="1645920"/>
+          </a:xfrm>
+          <a:prstGeom prst="rect">
+            <a:avLst/>
+          </a:prstGeom>
+        </p:spPr>
+      </p:pic>
+      <p:sp>
+        <p:nvSpPr>
+          <p:cNvPr id="9" name="TextBox 8"/>
+          <p:cNvSpPr txBox="1"/>
+          <p:nvPr/>
+        </p:nvSpPr>
+        <p:spPr>
+          <a:xfrm>
+            <a:off x="457200" y="5532120"/>
+            <a:ext cx="4114800" cy="548640"/>
+          </a:xfrm>
+          <a:prstGeom prst="rect">
+            <a:avLst/>
+          </a:prstGeom>
+          <a:noFill/>
+        </p:spPr>
+        <p:txBody>
+          <a:bodyPr wrap="square">
+            <a:spAutoFit/>
+          </a:bodyPr>
+          <a:lstStyle/>
+          <a:p>
+            <a:pPr algn="ctr">
+              <a:defRPr sz="1200">
+                <a:solidFill>
+                  <a:srgbClr val="6B7280"/>
+                </a:solidFill>
+              </a:defRPr>
+            </a:pPr>
+            <a:r>
+              <a:t>확장 가능성: 스마트홈, 자동차, 가전제품...</a:t>
+            </a:r>
+          </a:p>
+        </p:txBody>
+      </p:sp>
+      <p:sp>
+        <p:nvSpPr>
+          <p:cNvPr id="10" name="TextBox 9"/>
           <p:cNvSpPr txBox="1"/>
           <p:nvPr/>
         </p:nvSpPr>

--- a/presentations/output/SoundToAct_Presentation_WithImages.pptx
+++ b/presentations/output/SoundToAct_Presentation_WithImages.pptx
@@ -3169,7 +3169,7 @@
       </p:sp>
       <p:pic>
         <p:nvPicPr>
-          <p:cNvPr id="4" name="Picture 3" descr="wave_animation.png"/>
+          <p:cNvPr id="4" name="Picture 3" descr="waveform_animation.png"/>
           <p:cNvPicPr>
             <a:picLocks noChangeAspect="1"/>
           </p:cNvPicPr>
@@ -3228,7 +3228,7 @@
       </p:sp>
       <p:pic>
         <p:nvPicPr>
-          <p:cNvPr id="6" name="Picture 5" descr="mic_icon_large.png"/>
+          <p:cNvPr id="6" name="Picture 5" descr="microphone_large.png"/>
           <p:cNvPicPr>
             <a:picLocks noChangeAspect="1"/>
           </p:cNvPicPr>
@@ -3422,7 +3422,7 @@
       </p:sp>
       <p:pic>
         <p:nvPicPr>
-          <p:cNvPr id="4" name="Picture 3" descr="qr_code.png"/>
+          <p:cNvPr id="4" name="Picture 3" descr="qr_code_github.png"/>
           <p:cNvPicPr>
             <a:picLocks noChangeAspect="1"/>
           </p:cNvPicPr>
@@ -3437,7 +3437,7 @@
         <p:spPr>
           <a:xfrm>
             <a:off x="914400" y="4114800"/>
-            <a:ext cx="3657600" cy="3657600"/>
+            <a:ext cx="3657600" cy="2438400"/>
           </a:xfrm>
           <a:prstGeom prst="rect">
             <a:avLst/>
@@ -3481,7 +3481,7 @@
       </p:sp>
       <p:pic>
         <p:nvPicPr>
-          <p:cNvPr id="6" name="Picture 5" descr="final_logo.png"/>
+          <p:cNvPr id="6" name="Picture 5" descr="soundtoact_logo_final.png"/>
           <p:cNvPicPr>
             <a:picLocks noChangeAspect="1"/>
           </p:cNvPicPr>
@@ -3496,7 +3496,7 @@
         <p:spPr>
           <a:xfrm>
             <a:off x="5029200" y="4114800"/>
-            <a:ext cx="3657600" cy="1828800"/>
+            <a:ext cx="3657600" cy="2438400"/>
           </a:xfrm>
           <a:prstGeom prst="rect">
             <a:avLst/>
@@ -3640,7 +3640,7 @@
       </p:sp>
       <p:pic>
         <p:nvPicPr>
-          <p:cNvPr id="3" name="Picture 2" descr="morning_illustration.png"/>
+          <p:cNvPr id="3" name="Picture 2" descr="student_waking_up.png"/>
           <p:cNvPicPr>
             <a:picLocks noChangeAspect="1"/>
           </p:cNvPicPr>
@@ -3699,7 +3699,7 @@
       </p:sp>
       <p:pic>
         <p:nvPicPr>
-          <p:cNvPr id="5" name="Picture 4" descr="complex_process.png"/>
+          <p:cNvPr id="5" name="Picture 4" descr="complex_process_flow.png"/>
           <p:cNvPicPr>
             <a:picLocks noChangeAspect="1"/>
           </p:cNvPicPr>
@@ -3758,14 +3758,14 @@
       </p:sp>
       <p:pic>
         <p:nvPicPr>
-          <p:cNvPr id="7" name="Picture 6" descr="complex_process.png"/>
+          <p:cNvPr id="7" name="Picture 6" descr="clock_two_minutes.png"/>
           <p:cNvPicPr>
             <a:picLocks noChangeAspect="1"/>
           </p:cNvPicPr>
           <p:nvPr/>
         </p:nvPicPr>
         <p:blipFill>
-          <a:blip r:embed="rId3"/>
+          <a:blip r:embed="rId4"/>
           <a:stretch>
             <a:fillRect/>
           </a:stretch>
@@ -3952,7 +3952,7 @@
       </p:sp>
       <p:pic>
         <p:nvPicPr>
-          <p:cNvPr id="4" name="Picture 3" descr="question_mark.png"/>
+          <p:cNvPr id="4" name="Picture 3" descr="question_mark_large.png"/>
           <p:cNvPicPr>
             <a:picLocks noChangeAspect="1"/>
           </p:cNvPicPr>
@@ -4070,7 +4070,7 @@
       </p:sp>
       <p:pic>
         <p:nvPicPr>
-          <p:cNvPr id="8" name="Picture 7" descr="light_bulb.png"/>
+          <p:cNvPr id="8" name="Picture 7" descr="light_bulb_sparkle.png"/>
           <p:cNvPicPr>
             <a:picLocks noChangeAspect="1"/>
           </p:cNvPicPr>
@@ -4264,7 +4264,7 @@
       </p:sp>
       <p:pic>
         <p:nvPicPr>
-          <p:cNvPr id="4" name="Picture 3" descr="logo.png"/>
+          <p:cNvPr id="4" name="Picture 3" descr="soundtoact_logo_large.png"/>
           <p:cNvPicPr>
             <a:picLocks noChangeAspect="1"/>
           </p:cNvPicPr>
@@ -4323,7 +4323,7 @@
       </p:sp>
       <p:pic>
         <p:nvPicPr>
-          <p:cNvPr id="6" name="Picture 5" descr="demo_placeholder.png"/>
+          <p:cNvPr id="6" name="Picture 5" descr="demo_video_placeholder.png"/>
           <p:cNvPicPr>
             <a:picLocks noChangeAspect="1"/>
           </p:cNvPicPr>
@@ -4382,7 +4382,7 @@
       </p:sp>
       <p:pic>
         <p:nvPicPr>
-          <p:cNvPr id="8" name="Picture 7" descr="before_after.png"/>
+          <p:cNvPr id="8" name="Picture 7" descr="before_after_comparison.png"/>
           <p:cNvPicPr>
             <a:picLocks noChangeAspect="1"/>
           </p:cNvPicPr>
@@ -4529,7 +4529,7 @@
       </p:sp>
       <p:pic>
         <p:nvPicPr>
-          <p:cNvPr id="3" name="Picture 2" descr="three_steps.png"/>
+          <p:cNvPr id="3" name="Picture 2" descr="step1_listen.png"/>
           <p:cNvPicPr>
             <a:picLocks noChangeAspect="1"/>
           </p:cNvPicPr>
@@ -4588,14 +4588,14 @@
       </p:sp>
       <p:pic>
         <p:nvPicPr>
-          <p:cNvPr id="5" name="Picture 4" descr="three_steps.png"/>
+          <p:cNvPr id="5" name="Picture 4" descr="step2_understand.png"/>
           <p:cNvPicPr>
             <a:picLocks noChangeAspect="1"/>
           </p:cNvPicPr>
           <p:nvPr/>
         </p:nvPicPr>
         <p:blipFill>
-          <a:blip r:embed="rId2"/>
+          <a:blip r:embed="rId3"/>
           <a:stretch>
             <a:fillRect/>
           </a:stretch>
@@ -4647,14 +4647,14 @@
       </p:sp>
       <p:pic>
         <p:nvPicPr>
-          <p:cNvPr id="7" name="Picture 6" descr="three_steps.png"/>
+          <p:cNvPr id="7" name="Picture 6" descr="step3_act.png"/>
           <p:cNvPicPr>
             <a:picLocks noChangeAspect="1"/>
           </p:cNvPicPr>
           <p:nvPr/>
         </p:nvPicPr>
         <p:blipFill>
-          <a:blip r:embed="rId2"/>
+          <a:blip r:embed="rId4"/>
           <a:stretch>
             <a:fillRect/>
           </a:stretch>
@@ -4706,14 +4706,14 @@
       </p:sp>
       <p:pic>
         <p:nvPicPr>
-          <p:cNvPr id="9" name="Picture 8" descr="three_steps.png"/>
+          <p:cNvPr id="9" name="Picture 8" descr="three_step_flow_arrows.png"/>
           <p:cNvPicPr>
             <a:picLocks noChangeAspect="1"/>
           </p:cNvPicPr>
           <p:nvPr/>
         </p:nvPicPr>
         <p:blipFill>
-          <a:blip r:embed="rId2"/>
+          <a:blip r:embed="rId5"/>
           <a:stretch>
             <a:fillRect/>
           </a:stretch>
@@ -4818,7 +4818,7 @@
       </p:sp>
       <p:pic>
         <p:nvPicPr>
-          <p:cNvPr id="3" name="Picture 2" descr="live_demo.png"/>
+          <p:cNvPr id="3" name="Picture 2" descr="live_demo_video.png"/>
           <p:cNvPicPr>
             <a:picLocks noChangeAspect="1"/>
           </p:cNvPicPr>
@@ -4833,7 +4833,7 @@
         <p:spPr>
           <a:xfrm>
             <a:off x="457200" y="1005840"/>
-            <a:ext cx="4114800" cy="2400300"/>
+            <a:ext cx="4114800" cy="2743200"/>
           </a:xfrm>
           <a:prstGeom prst="rect">
             <a:avLst/>
@@ -4877,7 +4877,7 @@
       </p:sp>
       <p:pic>
         <p:nvPicPr>
-          <p:cNvPr id="5" name="Picture 4" descr="demo_placeholder.png"/>
+          <p:cNvPr id="5" name="Picture 4" descr="demo_screenshot_backup.png"/>
           <p:cNvPicPr>
             <a:picLocks noChangeAspect="1"/>
           </p:cNvPicPr>
@@ -4892,7 +4892,7 @@
         <p:spPr>
           <a:xfrm>
             <a:off x="5029200" y="1005840"/>
-            <a:ext cx="4114800" cy="2468880"/>
+            <a:ext cx="4114800" cy="2743200"/>
           </a:xfrm>
           <a:prstGeom prst="rect">
             <a:avLst/>
@@ -5024,7 +5024,7 @@
       </p:sp>
       <p:pic>
         <p:nvPicPr>
-          <p:cNvPr id="3" name="Picture 2" descr="before_after.png"/>
+          <p:cNvPr id="3" name="Picture 2" descr="before_2_minutes.png"/>
           <p:cNvPicPr>
             <a:picLocks noChangeAspect="1"/>
           </p:cNvPicPr>
@@ -5083,14 +5083,14 @@
       </p:sp>
       <p:pic>
         <p:nvPicPr>
-          <p:cNvPr id="5" name="Picture 4" descr="before_after.png"/>
+          <p:cNvPr id="5" name="Picture 4" descr="after_2_seconds.png"/>
           <p:cNvPicPr>
             <a:picLocks noChangeAspect="1"/>
           </p:cNvPicPr>
           <p:nvPr/>
         </p:nvPicPr>
         <p:blipFill>
-          <a:blip r:embed="rId2"/>
+          <a:blip r:embed="rId3"/>
           <a:stretch>
             <a:fillRect/>
           </a:stretch>
@@ -5142,14 +5142,14 @@
       </p:sp>
       <p:pic>
         <p:nvPicPr>
-          <p:cNvPr id="7" name="Picture 6" descr="before_after.png"/>
+          <p:cNvPr id="7" name="Picture 6" descr="sixty_times_faster.png"/>
           <p:cNvPicPr>
             <a:picLocks noChangeAspect="1"/>
           </p:cNvPicPr>
           <p:nvPr/>
         </p:nvPicPr>
         <p:blipFill>
-          <a:blip r:embed="rId2"/>
+          <a:blip r:embed="rId4"/>
           <a:stretch>
             <a:fillRect/>
           </a:stretch>
@@ -5201,14 +5201,14 @@
       </p:sp>
       <p:pic>
         <p:nvPicPr>
-          <p:cNvPr id="9" name="Picture 8" descr="before_after.png"/>
+          <p:cNvPr id="9" name="Picture 8" descr="thirty_minutes_saved.png"/>
           <p:cNvPicPr>
             <a:picLocks noChangeAspect="1"/>
           </p:cNvPicPr>
           <p:nvPr/>
         </p:nvPicPr>
         <p:blipFill>
-          <a:blip r:embed="rId2"/>
+          <a:blip r:embed="rId5"/>
           <a:stretch>
             <a:fillRect/>
           </a:stretch>
@@ -5313,7 +5313,7 @@
       </p:sp>
       <p:pic>
         <p:nvPicPr>
-          <p:cNvPr id="3" name="Picture 2" descr="inclusive_tech.png"/>
+          <p:cNvPr id="3" name="Picture 2" descr="elderly_scenario.png"/>
           <p:cNvPicPr>
             <a:picLocks noChangeAspect="1"/>
           </p:cNvPicPr>
@@ -5372,7 +5372,66 @@
       </p:sp>
       <p:pic>
         <p:nvPicPr>
-          <p:cNvPr id="5" name="Picture 4" descr="inclusive_tech.png"/>
+          <p:cNvPr id="5" name="Picture 4" descr="worker_scenario.png"/>
+          <p:cNvPicPr>
+            <a:picLocks noChangeAspect="1"/>
+          </p:cNvPicPr>
+          <p:nvPr/>
+        </p:nvPicPr>
+        <p:blipFill>
+          <a:blip r:embed="rId3"/>
+          <a:stretch>
+            <a:fillRect/>
+          </a:stretch>
+        </p:blipFill>
+        <p:spPr>
+          <a:xfrm>
+            <a:off x="4800600" y="1005840"/>
+            <a:ext cx="4114800" cy="1645920"/>
+          </a:xfrm>
+          <a:prstGeom prst="rect">
+            <a:avLst/>
+          </a:prstGeom>
+        </p:spPr>
+      </p:pic>
+      <p:sp>
+        <p:nvSpPr>
+          <p:cNvPr id="6" name="TextBox 5"/>
+          <p:cNvSpPr txBox="1"/>
+          <p:nvPr/>
+        </p:nvSpPr>
+        <p:spPr>
+          <a:xfrm>
+            <a:off x="4800600" y="2697480"/>
+            <a:ext cx="4114800" cy="548640"/>
+          </a:xfrm>
+          <a:prstGeom prst="rect">
+            <a:avLst/>
+          </a:prstGeom>
+          <a:noFill/>
+        </p:spPr>
+        <p:txBody>
+          <a:bodyPr wrap="square">
+            <a:spAutoFit/>
+          </a:bodyPr>
+          <a:lstStyle/>
+          <a:p>
+            <a:pPr algn="ctr">
+              <a:defRPr sz="1200">
+                <a:solidFill>
+                  <a:srgbClr val="6B7280"/>
+                </a:solidFill>
+              </a:defRPr>
+            </a:pPr>
+            <a:r>
+              <a:t>시나리오 2: 바쁜 직장인 - 운전 중에도</a:t>
+            </a:r>
+          </a:p>
+        </p:txBody>
+      </p:sp>
+      <p:pic>
+        <p:nvPicPr>
+          <p:cNvPr id="7" name="Picture 6" descr="elderly_scenario.png"/>
           <p:cNvPicPr>
             <a:picLocks noChangeAspect="1"/>
           </p:cNvPicPr>
@@ -5386,7 +5445,7 @@
         </p:blipFill>
         <p:spPr>
           <a:xfrm>
-            <a:off x="4800600" y="1005840"/>
+            <a:off x="457200" y="3291840"/>
             <a:ext cx="4114800" cy="1645920"/>
           </a:xfrm>
           <a:prstGeom prst="rect">
@@ -5396,13 +5455,13 @@
       </p:pic>
       <p:sp>
         <p:nvSpPr>
-          <p:cNvPr id="6" name="TextBox 5"/>
+          <p:cNvPr id="8" name="TextBox 7"/>
           <p:cNvSpPr txBox="1"/>
           <p:nvPr/>
         </p:nvSpPr>
         <p:spPr>
           <a:xfrm>
-            <a:off x="4800600" y="2697480"/>
+            <a:off x="457200" y="4983480"/>
             <a:ext cx="4114800" cy="548640"/>
           </a:xfrm>
           <a:prstGeom prst="rect">
@@ -5424,80 +5483,21 @@
               </a:defRPr>
             </a:pPr>
             <a:r>
-              <a:t>시나리오 2: 바쁜 직장인 - 운전 중에도</a:t>
+              <a:t>시나리오 3: 장애인 - 손 사용 불편해도</a:t>
             </a:r>
           </a:p>
         </p:txBody>
       </p:sp>
       <p:pic>
         <p:nvPicPr>
-          <p:cNvPr id="7" name="Picture 6" descr="inclusive_tech.png"/>
+          <p:cNvPr id="9" name="Picture 8" descr="inclusive_technology.png"/>
           <p:cNvPicPr>
             <a:picLocks noChangeAspect="1"/>
           </p:cNvPicPr>
           <p:nvPr/>
         </p:nvPicPr>
         <p:blipFill>
-          <a:blip r:embed="rId2"/>
-          <a:stretch>
-            <a:fillRect/>
-          </a:stretch>
-        </p:blipFill>
-        <p:spPr>
-          <a:xfrm>
-            <a:off x="457200" y="3291840"/>
-            <a:ext cx="4114800" cy="1645920"/>
-          </a:xfrm>
-          <a:prstGeom prst="rect">
-            <a:avLst/>
-          </a:prstGeom>
-        </p:spPr>
-      </p:pic>
-      <p:sp>
-        <p:nvSpPr>
-          <p:cNvPr id="8" name="TextBox 7"/>
-          <p:cNvSpPr txBox="1"/>
-          <p:nvPr/>
-        </p:nvSpPr>
-        <p:spPr>
-          <a:xfrm>
-            <a:off x="457200" y="4983480"/>
-            <a:ext cx="4114800" cy="548640"/>
-          </a:xfrm>
-          <a:prstGeom prst="rect">
-            <a:avLst/>
-          </a:prstGeom>
-          <a:noFill/>
-        </p:spPr>
-        <p:txBody>
-          <a:bodyPr wrap="square">
-            <a:spAutoFit/>
-          </a:bodyPr>
-          <a:lstStyle/>
-          <a:p>
-            <a:pPr algn="ctr">
-              <a:defRPr sz="1200">
-                <a:solidFill>
-                  <a:srgbClr val="6B7280"/>
-                </a:solidFill>
-              </a:defRPr>
-            </a:pPr>
-            <a:r>
-              <a:t>시나리오 3: 장애인 - 손 사용 불편해도</a:t>
-            </a:r>
-          </a:p>
-        </p:txBody>
-      </p:sp>
-      <p:pic>
-        <p:nvPicPr>
-          <p:cNvPr id="9" name="Picture 8" descr="inclusive_tech.png"/>
-          <p:cNvPicPr>
-            <a:picLocks noChangeAspect="1"/>
-          </p:cNvPicPr>
-          <p:nvPr/>
-        </p:nvPicPr>
-        <p:blipFill>
-          <a:blip r:embed="rId2"/>
+          <a:blip r:embed="rId4"/>
           <a:stretch>
             <a:fillRect/>
           </a:stretch>
@@ -5637,7 +5637,7 @@
       </p:sp>
       <p:pic>
         <p:nvPicPr>
-          <p:cNvPr id="4" name="Picture 3" descr="world_connections.png"/>
+          <p:cNvPr id="4" name="Picture 3" descr="connected_world.png"/>
           <p:cNvPicPr>
             <a:picLocks noChangeAspect="1"/>
           </p:cNvPicPr>
@@ -5755,14 +5755,14 @@
       </p:sp>
       <p:pic>
         <p:nvPicPr>
-          <p:cNvPr id="8" name="Picture 7" descr="world_connections.png"/>
+          <p:cNvPr id="8" name="Picture 7" descr="expansion_vision.png"/>
           <p:cNvPicPr>
             <a:picLocks noChangeAspect="1"/>
           </p:cNvPicPr>
           <p:nvPr/>
         </p:nvPicPr>
         <p:blipFill>
-          <a:blip r:embed="rId2"/>
+          <a:blip r:embed="rId4"/>
           <a:stretch>
             <a:fillRect/>
           </a:stretch>
